--- a/Chronic Inflammation Cycle.pptx
+++ b/Chronic Inflammation Cycle.pptx
@@ -4,6 +4,9 @@
   <p:sldMasterIdLst>
     <p:sldMasterId id="2147483648" r:id="rId1"/>
   </p:sldMasterIdLst>
+  <p:notesMasterIdLst>
+    <p:notesMasterId r:id="rId4"/>
+  </p:notesMasterIdLst>
   <p:sldIdLst>
     <p:sldId id="256" r:id="rId2"/>
     <p:sldId id="257" r:id="rId3"/>
@@ -901,7 +904,7 @@
                 <a:srgbClr val="7030A0"/>
               </a:solidFill>
             </a:rPr>
-            <a:t>Mitochondria undergoes oxidative and metabolic stress</a:t>
+            <a:t>Various extrinsic triggers (DAMPs, PAMPs, retroelements signals) engage various immune cell Pattern Recognition Receptors (PRRs) such as TLR2 and TLR4.</a:t>
           </a:r>
         </a:p>
       </dgm:t>
@@ -955,7 +958,7 @@
                 <a:srgbClr val="7030A0"/>
               </a:solidFill>
             </a:rPr>
-            <a:t>Damage-Associated Molecular Patterns (DAMPs) are released from stressed or damaged mitochondria </a:t>
+            <a:t>This engagement leads to activation and nuclear translocation of transcription factors such as Nuclear Factor – kappa light chain enhancer for B-cell activation (NF-kB).</a:t>
           </a:r>
         </a:p>
       </dgm:t>
@@ -1009,7 +1012,7 @@
                 <a:srgbClr val="7030A0"/>
               </a:solidFill>
             </a:rPr>
-            <a:t>Pattern Recognition Receptors (PRR) detect DAMPs and initiate an innate immune response</a:t>
+            <a:t>NF-kB has high affinity and preferentially binds to enhancers and promoters of cytokine genes, leading to cytokine transcription and cellular inflammation.</a:t>
           </a:r>
         </a:p>
       </dgm:t>
@@ -1063,7 +1066,7 @@
                 <a:srgbClr val="7030A0"/>
               </a:solidFill>
             </a:rPr>
-            <a:t>Innate immune system response reactivates HERV-K (possibly from chromatin loosening)</a:t>
+            <a:t>NF-kB has low(er) affinity to enhancers and promoters of LTRs associated with HERVs.  Nonetheless, under high stress with high NF-kB activation, this leads to HERV derepression.</a:t>
           </a:r>
         </a:p>
       </dgm:t>
@@ -1117,7 +1120,7 @@
                 <a:srgbClr val="7030A0"/>
               </a:solidFill>
             </a:rPr>
-            <a:t>Products from reactivated retrovirus become secondary DAMPs, further stimulating the innate immune system</a:t>
+            <a:t>Products from derepressed HERVs (such as dsRNA and Env proteins) also engage PRRs and contribute to the activation of transcription factors, resulting in a cascading and sustained inflammation.</a:t>
           </a:r>
         </a:p>
       </dgm:t>
@@ -1276,7 +1279,7 @@
   <dgm:whole/>
   <dgm:extLst>
     <a:ext uri="http://schemas.microsoft.com/office/drawing/2008/diagram">
-      <dsp:dataModelExt xmlns:dsp="http://schemas.microsoft.com/office/drawing/2008/diagram" relId="rId6" minVer="http://schemas.openxmlformats.org/drawingml/2006/diagram"/>
+      <dsp:dataModelExt xmlns:dsp="http://schemas.microsoft.com/office/drawing/2008/diagram" relId="rId7" minVer="http://schemas.openxmlformats.org/drawingml/2006/diagram"/>
     </a:ext>
   </dgm:extLst>
 </dgm:dataModel>
@@ -1335,12 +1338,12 @@
         </a:fontRef>
       </dsp:style>
       <dsp:txBody>
-        <a:bodyPr spcFirstLastPara="0" vert="horz" wrap="square" lIns="13970" tIns="13970" rIns="13970" bIns="13970" numCol="1" spcCol="1270" anchor="ctr" anchorCtr="0">
+        <a:bodyPr spcFirstLastPara="0" vert="horz" wrap="square" lIns="10160" tIns="10160" rIns="10160" bIns="10160" numCol="1" spcCol="1270" anchor="ctr" anchorCtr="0">
           <a:noAutofit/>
         </a:bodyPr>
         <a:lstStyle/>
         <a:p>
-          <a:pPr marL="0" lvl="0" indent="0" algn="ctr" defTabSz="488950">
+          <a:pPr marL="0" lvl="0" indent="0" algn="ctr" defTabSz="355600">
             <a:lnSpc>
               <a:spcPct val="90000"/>
             </a:lnSpc>
@@ -1353,12 +1356,12 @@
             <a:buNone/>
           </a:pPr>
           <a:r>
-            <a:rPr lang="en-US" sz="1100" kern="1200" dirty="0">
+            <a:rPr lang="en-US" sz="800" kern="1200" dirty="0">
               <a:solidFill>
                 <a:srgbClr val="7030A0"/>
               </a:solidFill>
             </a:rPr>
-            <a:t>Mitochondria undergoes oxidative and metabolic stress</a:t>
+            <a:t>Various extrinsic triggers (DAMPs, PAMPs, retroelements signals) engage various immune cell Pattern Recognition Receptors (PRRs) such as TLR2 and TLR4.</a:t>
           </a:r>
         </a:p>
       </dsp:txBody>
@@ -1417,7 +1420,7 @@
         </a:bodyPr>
         <a:lstStyle/>
         <a:p>
-          <a:pPr marL="0" lvl="0" indent="0" algn="ctr" defTabSz="400050">
+          <a:pPr marL="0" lvl="0" indent="0" algn="ctr" defTabSz="311150">
             <a:lnSpc>
               <a:spcPct val="90000"/>
             </a:lnSpc>
@@ -1429,7 +1432,7 @@
             </a:spcAft>
             <a:buNone/>
           </a:pPr>
-          <a:endParaRPr lang="en-US" sz="900" kern="1200"/>
+          <a:endParaRPr lang="en-US" sz="700" kern="1200"/>
         </a:p>
       </dsp:txBody>
       <dsp:txXfrm>
@@ -1482,12 +1485,12 @@
         </a:fontRef>
       </dsp:style>
       <dsp:txBody>
-        <a:bodyPr spcFirstLastPara="0" vert="horz" wrap="square" lIns="13970" tIns="13970" rIns="13970" bIns="13970" numCol="1" spcCol="1270" anchor="ctr" anchorCtr="0">
+        <a:bodyPr spcFirstLastPara="0" vert="horz" wrap="square" lIns="10160" tIns="10160" rIns="10160" bIns="10160" numCol="1" spcCol="1270" anchor="ctr" anchorCtr="0">
           <a:noAutofit/>
         </a:bodyPr>
         <a:lstStyle/>
         <a:p>
-          <a:pPr marL="0" lvl="0" indent="0" algn="ctr" defTabSz="488950">
+          <a:pPr marL="0" lvl="0" indent="0" algn="ctr" defTabSz="355600">
             <a:lnSpc>
               <a:spcPct val="90000"/>
             </a:lnSpc>
@@ -1500,12 +1503,12 @@
             <a:buNone/>
           </a:pPr>
           <a:r>
-            <a:rPr lang="en-US" sz="1100" kern="1200" dirty="0">
+            <a:rPr lang="en-US" sz="800" kern="1200" dirty="0">
               <a:solidFill>
                 <a:srgbClr val="7030A0"/>
               </a:solidFill>
             </a:rPr>
-            <a:t>Damage-Associated Molecular Patterns (DAMPs) are released from stressed or damaged mitochondria </a:t>
+            <a:t>This engagement leads to activation and nuclear translocation of transcription factors such as Nuclear Factor – kappa light chain enhancer for B-cell activation (NF-kB).</a:t>
           </a:r>
         </a:p>
       </dsp:txBody>
@@ -1564,7 +1567,7 @@
         </a:bodyPr>
         <a:lstStyle/>
         <a:p>
-          <a:pPr marL="0" lvl="0" indent="0" algn="ctr" defTabSz="400050">
+          <a:pPr marL="0" lvl="0" indent="0" algn="ctr" defTabSz="311150">
             <a:lnSpc>
               <a:spcPct val="90000"/>
             </a:lnSpc>
@@ -1576,7 +1579,7 @@
             </a:spcAft>
             <a:buNone/>
           </a:pPr>
-          <a:endParaRPr lang="en-US" sz="900" kern="1200"/>
+          <a:endParaRPr lang="en-US" sz="700" kern="1200"/>
         </a:p>
       </dsp:txBody>
       <dsp:txXfrm rot="10800000">
@@ -1629,12 +1632,12 @@
         </a:fontRef>
       </dsp:style>
       <dsp:txBody>
-        <a:bodyPr spcFirstLastPara="0" vert="horz" wrap="square" lIns="13970" tIns="13970" rIns="13970" bIns="13970" numCol="1" spcCol="1270" anchor="ctr" anchorCtr="0">
+        <a:bodyPr spcFirstLastPara="0" vert="horz" wrap="square" lIns="10160" tIns="10160" rIns="10160" bIns="10160" numCol="1" spcCol="1270" anchor="ctr" anchorCtr="0">
           <a:noAutofit/>
         </a:bodyPr>
         <a:lstStyle/>
         <a:p>
-          <a:pPr marL="0" lvl="0" indent="0" algn="ctr" defTabSz="488950">
+          <a:pPr marL="0" lvl="0" indent="0" algn="ctr" defTabSz="355600">
             <a:lnSpc>
               <a:spcPct val="90000"/>
             </a:lnSpc>
@@ -1647,12 +1650,12 @@
             <a:buNone/>
           </a:pPr>
           <a:r>
-            <a:rPr lang="en-US" sz="1100" kern="1200" dirty="0">
+            <a:rPr lang="en-US" sz="800" kern="1200" dirty="0">
               <a:solidFill>
                 <a:srgbClr val="7030A0"/>
               </a:solidFill>
             </a:rPr>
-            <a:t>Pattern Recognition Receptors (PRR) detect DAMPs and initiate an innate immune response</a:t>
+            <a:t>NF-kB has high affinity and preferentially binds to enhancers and promoters of cytokine genes, leading to cytokine transcription and cellular inflammation.</a:t>
           </a:r>
         </a:p>
       </dsp:txBody>
@@ -1711,7 +1714,7 @@
         </a:bodyPr>
         <a:lstStyle/>
         <a:p>
-          <a:pPr marL="0" lvl="0" indent="0" algn="ctr" defTabSz="400050">
+          <a:pPr marL="0" lvl="0" indent="0" algn="ctr" defTabSz="311150">
             <a:lnSpc>
               <a:spcPct val="90000"/>
             </a:lnSpc>
@@ -1723,7 +1726,7 @@
             </a:spcAft>
             <a:buNone/>
           </a:pPr>
-          <a:endParaRPr lang="en-US" sz="900" kern="1200"/>
+          <a:endParaRPr lang="en-US" sz="700" kern="1200"/>
         </a:p>
       </dsp:txBody>
       <dsp:txXfrm rot="10800000">
@@ -1776,12 +1779,12 @@
         </a:fontRef>
       </dsp:style>
       <dsp:txBody>
-        <a:bodyPr spcFirstLastPara="0" vert="horz" wrap="square" lIns="13970" tIns="13970" rIns="13970" bIns="13970" numCol="1" spcCol="1270" anchor="ctr" anchorCtr="0">
+        <a:bodyPr spcFirstLastPara="0" vert="horz" wrap="square" lIns="10160" tIns="10160" rIns="10160" bIns="10160" numCol="1" spcCol="1270" anchor="ctr" anchorCtr="0">
           <a:noAutofit/>
         </a:bodyPr>
         <a:lstStyle/>
         <a:p>
-          <a:pPr marL="0" lvl="0" indent="0" algn="ctr" defTabSz="488950">
+          <a:pPr marL="0" lvl="0" indent="0" algn="ctr" defTabSz="355600">
             <a:lnSpc>
               <a:spcPct val="90000"/>
             </a:lnSpc>
@@ -1794,12 +1797,12 @@
             <a:buNone/>
           </a:pPr>
           <a:r>
-            <a:rPr lang="en-US" sz="1100" kern="1200" dirty="0">
+            <a:rPr lang="en-US" sz="800" kern="1200" dirty="0">
               <a:solidFill>
                 <a:srgbClr val="7030A0"/>
               </a:solidFill>
             </a:rPr>
-            <a:t>Innate immune system response reactivates HERV-K (possibly from chromatin loosening)</a:t>
+            <a:t>NF-kB has low(er) affinity to enhancers and promoters of LTRs associated with HERVs.  Nonetheless, under high stress with high NF-kB activation, this leads to HERV derepression.</a:t>
           </a:r>
         </a:p>
       </dsp:txBody>
@@ -1858,7 +1861,7 @@
         </a:bodyPr>
         <a:lstStyle/>
         <a:p>
-          <a:pPr marL="0" lvl="0" indent="0" algn="ctr" defTabSz="400050">
+          <a:pPr marL="0" lvl="0" indent="0" algn="ctr" defTabSz="311150">
             <a:lnSpc>
               <a:spcPct val="90000"/>
             </a:lnSpc>
@@ -1870,7 +1873,7 @@
             </a:spcAft>
             <a:buNone/>
           </a:pPr>
-          <a:endParaRPr lang="en-US" sz="900" kern="1200"/>
+          <a:endParaRPr lang="en-US" sz="700" kern="1200"/>
         </a:p>
       </dsp:txBody>
       <dsp:txXfrm rot="10800000">
@@ -1923,12 +1926,12 @@
         </a:fontRef>
       </dsp:style>
       <dsp:txBody>
-        <a:bodyPr spcFirstLastPara="0" vert="horz" wrap="square" lIns="13970" tIns="13970" rIns="13970" bIns="13970" numCol="1" spcCol="1270" anchor="ctr" anchorCtr="0">
+        <a:bodyPr spcFirstLastPara="0" vert="horz" wrap="square" lIns="10160" tIns="10160" rIns="10160" bIns="10160" numCol="1" spcCol="1270" anchor="ctr" anchorCtr="0">
           <a:noAutofit/>
         </a:bodyPr>
         <a:lstStyle/>
         <a:p>
-          <a:pPr marL="0" lvl="0" indent="0" algn="ctr" defTabSz="488950">
+          <a:pPr marL="0" lvl="0" indent="0" algn="ctr" defTabSz="355600">
             <a:lnSpc>
               <a:spcPct val="90000"/>
             </a:lnSpc>
@@ -1941,12 +1944,12 @@
             <a:buNone/>
           </a:pPr>
           <a:r>
-            <a:rPr lang="en-US" sz="1100" kern="1200" dirty="0">
+            <a:rPr lang="en-US" sz="800" kern="1200" dirty="0">
               <a:solidFill>
                 <a:srgbClr val="7030A0"/>
               </a:solidFill>
             </a:rPr>
-            <a:t>Products from reactivated retrovirus become secondary DAMPs, further stimulating the innate immune system</a:t>
+            <a:t>Products from derepressed HERVs (such as dsRNA and Env proteins) also engage PRRs and contribute to the activation of transcription factors, resulting in a cascading and sustained inflammation.</a:t>
           </a:r>
         </a:p>
       </dsp:txBody>
@@ -2005,7 +2008,7 @@
         </a:bodyPr>
         <a:lstStyle/>
         <a:p>
-          <a:pPr marL="0" lvl="0" indent="0" algn="ctr" defTabSz="400050">
+          <a:pPr marL="0" lvl="0" indent="0" algn="ctr" defTabSz="311150">
             <a:lnSpc>
               <a:spcPct val="90000"/>
             </a:lnSpc>
@@ -2017,7 +2020,7 @@
             </a:spcAft>
             <a:buNone/>
           </a:pPr>
-          <a:endParaRPr lang="en-US" sz="900" kern="1200"/>
+          <a:endParaRPr lang="en-US" sz="700" kern="1200"/>
         </a:p>
       </dsp:txBody>
       <dsp:txXfrm>
@@ -3274,6 +3277,547 @@
 </dgm:styleDef>
 </file>
 
+<file path=ppt/notesMasters/notesMaster1.xml><?xml version="1.0" encoding="utf-8"?>
+<p:notesMaster xmlns:a="http://schemas.openxmlformats.org/drawingml/2006/main" xmlns:r="http://schemas.openxmlformats.org/officeDocument/2006/relationships" xmlns:p="http://schemas.openxmlformats.org/presentationml/2006/main">
+  <p:cSld>
+    <p:bg>
+      <p:bgRef idx="1001">
+        <a:schemeClr val="bg1"/>
+      </p:bgRef>
+    </p:bg>
+    <p:spTree>
+      <p:nvGrpSpPr>
+        <p:cNvPr id="1" name=""/>
+        <p:cNvGrpSpPr/>
+        <p:nvPr/>
+      </p:nvGrpSpPr>
+      <p:grpSpPr>
+        <a:xfrm>
+          <a:off x="0" y="0"/>
+          <a:ext cx="0" cy="0"/>
+          <a:chOff x="0" y="0"/>
+          <a:chExt cx="0" cy="0"/>
+        </a:xfrm>
+      </p:grpSpPr>
+      <p:sp>
+        <p:nvSpPr>
+          <p:cNvPr id="2" name="Header Placeholder 1"/>
+          <p:cNvSpPr>
+            <a:spLocks noGrp="1"/>
+          </p:cNvSpPr>
+          <p:nvPr>
+            <p:ph type="hdr" sz="quarter"/>
+          </p:nvPr>
+        </p:nvSpPr>
+        <p:spPr>
+          <a:xfrm>
+            <a:off x="0" y="0"/>
+            <a:ext cx="2971800" cy="458788"/>
+          </a:xfrm>
+          <a:prstGeom prst="rect">
+            <a:avLst/>
+          </a:prstGeom>
+        </p:spPr>
+        <p:txBody>
+          <a:bodyPr vert="horz" lIns="91440" tIns="45720" rIns="91440" bIns="45720" rtlCol="0"/>
+          <a:lstStyle>
+            <a:lvl1pPr algn="l">
+              <a:defRPr sz="1200"/>
+            </a:lvl1pPr>
+          </a:lstStyle>
+          <a:p>
+            <a:endParaRPr lang="en-US"/>
+          </a:p>
+        </p:txBody>
+      </p:sp>
+      <p:sp>
+        <p:nvSpPr>
+          <p:cNvPr id="3" name="Date Placeholder 2"/>
+          <p:cNvSpPr>
+            <a:spLocks noGrp="1"/>
+          </p:cNvSpPr>
+          <p:nvPr>
+            <p:ph type="dt" idx="1"/>
+          </p:nvPr>
+        </p:nvSpPr>
+        <p:spPr>
+          <a:xfrm>
+            <a:off x="3884613" y="0"/>
+            <a:ext cx="2971800" cy="458788"/>
+          </a:xfrm>
+          <a:prstGeom prst="rect">
+            <a:avLst/>
+          </a:prstGeom>
+        </p:spPr>
+        <p:txBody>
+          <a:bodyPr vert="horz" lIns="91440" tIns="45720" rIns="91440" bIns="45720" rtlCol="0"/>
+          <a:lstStyle>
+            <a:lvl1pPr algn="r">
+              <a:defRPr sz="1200"/>
+            </a:lvl1pPr>
+          </a:lstStyle>
+          <a:p>
+            <a:fld id="{F7969A30-93C7-4598-984E-81A4AC5464FB}" type="datetimeFigureOut">
+              <a:rPr lang="en-US" smtClean="0"/>
+              <a:t>9/4/2025</a:t>
+            </a:fld>
+            <a:endParaRPr lang="en-US"/>
+          </a:p>
+        </p:txBody>
+      </p:sp>
+      <p:sp>
+        <p:nvSpPr>
+          <p:cNvPr id="4" name="Slide Image Placeholder 3"/>
+          <p:cNvSpPr>
+            <a:spLocks noGrp="1" noRot="1" noChangeAspect="1"/>
+          </p:cNvSpPr>
+          <p:nvPr>
+            <p:ph type="sldImg" idx="2"/>
+          </p:nvPr>
+        </p:nvSpPr>
+        <p:spPr>
+          <a:xfrm>
+            <a:off x="685800" y="1143000"/>
+            <a:ext cx="5486400" cy="3086100"/>
+          </a:xfrm>
+          <a:prstGeom prst="rect">
+            <a:avLst/>
+          </a:prstGeom>
+          <a:noFill/>
+          <a:ln w="12700">
+            <a:solidFill>
+              <a:prstClr val="black"/>
+            </a:solidFill>
+          </a:ln>
+        </p:spPr>
+        <p:txBody>
+          <a:bodyPr vert="horz" lIns="91440" tIns="45720" rIns="91440" bIns="45720" rtlCol="0" anchor="ctr"/>
+          <a:lstStyle/>
+          <a:p>
+            <a:endParaRPr lang="en-US"/>
+          </a:p>
+        </p:txBody>
+      </p:sp>
+      <p:sp>
+        <p:nvSpPr>
+          <p:cNvPr id="5" name="Notes Placeholder 4"/>
+          <p:cNvSpPr>
+            <a:spLocks noGrp="1"/>
+          </p:cNvSpPr>
+          <p:nvPr>
+            <p:ph type="body" sz="quarter" idx="3"/>
+          </p:nvPr>
+        </p:nvSpPr>
+        <p:spPr>
+          <a:xfrm>
+            <a:off x="685800" y="4400550"/>
+            <a:ext cx="5486400" cy="3600450"/>
+          </a:xfrm>
+          <a:prstGeom prst="rect">
+            <a:avLst/>
+          </a:prstGeom>
+        </p:spPr>
+        <p:txBody>
+          <a:bodyPr vert="horz" lIns="91440" tIns="45720" rIns="91440" bIns="45720" rtlCol="0"/>
+          <a:lstStyle/>
+          <a:p>
+            <a:pPr lvl="0"/>
+            <a:r>
+              <a:rPr lang="en-US"/>
+              <a:t>Click to edit Master text styles</a:t>
+            </a:r>
+          </a:p>
+          <a:p>
+            <a:pPr lvl="1"/>
+            <a:r>
+              <a:rPr lang="en-US"/>
+              <a:t>Second level</a:t>
+            </a:r>
+          </a:p>
+          <a:p>
+            <a:pPr lvl="2"/>
+            <a:r>
+              <a:rPr lang="en-US"/>
+              <a:t>Third level</a:t>
+            </a:r>
+          </a:p>
+          <a:p>
+            <a:pPr lvl="3"/>
+            <a:r>
+              <a:rPr lang="en-US"/>
+              <a:t>Fourth level</a:t>
+            </a:r>
+          </a:p>
+          <a:p>
+            <a:pPr lvl="4"/>
+            <a:r>
+              <a:rPr lang="en-US"/>
+              <a:t>Fifth level</a:t>
+            </a:r>
+          </a:p>
+        </p:txBody>
+      </p:sp>
+      <p:sp>
+        <p:nvSpPr>
+          <p:cNvPr id="6" name="Footer Placeholder 5"/>
+          <p:cNvSpPr>
+            <a:spLocks noGrp="1"/>
+          </p:cNvSpPr>
+          <p:nvPr>
+            <p:ph type="ftr" sz="quarter" idx="4"/>
+          </p:nvPr>
+        </p:nvSpPr>
+        <p:spPr>
+          <a:xfrm>
+            <a:off x="0" y="8685213"/>
+            <a:ext cx="2971800" cy="458787"/>
+          </a:xfrm>
+          <a:prstGeom prst="rect">
+            <a:avLst/>
+          </a:prstGeom>
+        </p:spPr>
+        <p:txBody>
+          <a:bodyPr vert="horz" lIns="91440" tIns="45720" rIns="91440" bIns="45720" rtlCol="0" anchor="b"/>
+          <a:lstStyle>
+            <a:lvl1pPr algn="l">
+              <a:defRPr sz="1200"/>
+            </a:lvl1pPr>
+          </a:lstStyle>
+          <a:p>
+            <a:endParaRPr lang="en-US"/>
+          </a:p>
+        </p:txBody>
+      </p:sp>
+      <p:sp>
+        <p:nvSpPr>
+          <p:cNvPr id="7" name="Slide Number Placeholder 6"/>
+          <p:cNvSpPr>
+            <a:spLocks noGrp="1"/>
+          </p:cNvSpPr>
+          <p:nvPr>
+            <p:ph type="sldNum" sz="quarter" idx="5"/>
+          </p:nvPr>
+        </p:nvSpPr>
+        <p:spPr>
+          <a:xfrm>
+            <a:off x="3884613" y="8685213"/>
+            <a:ext cx="2971800" cy="458787"/>
+          </a:xfrm>
+          <a:prstGeom prst="rect">
+            <a:avLst/>
+          </a:prstGeom>
+        </p:spPr>
+        <p:txBody>
+          <a:bodyPr vert="horz" lIns="91440" tIns="45720" rIns="91440" bIns="45720" rtlCol="0" anchor="b"/>
+          <a:lstStyle>
+            <a:lvl1pPr algn="r">
+              <a:defRPr sz="1200"/>
+            </a:lvl1pPr>
+          </a:lstStyle>
+          <a:p>
+            <a:fld id="{3033C470-99BA-4AE7-A513-851B23E76ACC}" type="slidenum">
+              <a:rPr lang="en-US" smtClean="0"/>
+              <a:t>‹#›</a:t>
+            </a:fld>
+            <a:endParaRPr lang="en-US"/>
+          </a:p>
+        </p:txBody>
+      </p:sp>
+    </p:spTree>
+    <p:extLst>
+      <p:ext uri="{BB962C8B-B14F-4D97-AF65-F5344CB8AC3E}">
+        <p14:creationId xmlns:p14="http://schemas.microsoft.com/office/powerpoint/2010/main" val="3190763384"/>
+      </p:ext>
+    </p:extLst>
+  </p:cSld>
+  <p:clrMap bg1="lt1" tx1="dk1" bg2="lt2" tx2="dk2" accent1="accent1" accent2="accent2" accent3="accent3" accent4="accent4" accent5="accent5" accent6="accent6" hlink="hlink" folHlink="folHlink"/>
+  <p:notesStyle>
+    <a:lvl1pPr marL="0" algn="l" defTabSz="914400" rtl="0" eaLnBrk="1" latinLnBrk="0" hangingPunct="1">
+      <a:defRPr sz="1200" kern="1200">
+        <a:solidFill>
+          <a:schemeClr val="tx1"/>
+        </a:solidFill>
+        <a:latin typeface="+mn-lt"/>
+        <a:ea typeface="+mn-ea"/>
+        <a:cs typeface="+mn-cs"/>
+      </a:defRPr>
+    </a:lvl1pPr>
+    <a:lvl2pPr marL="457200" algn="l" defTabSz="914400" rtl="0" eaLnBrk="1" latinLnBrk="0" hangingPunct="1">
+      <a:defRPr sz="1200" kern="1200">
+        <a:solidFill>
+          <a:schemeClr val="tx1"/>
+        </a:solidFill>
+        <a:latin typeface="+mn-lt"/>
+        <a:ea typeface="+mn-ea"/>
+        <a:cs typeface="+mn-cs"/>
+      </a:defRPr>
+    </a:lvl2pPr>
+    <a:lvl3pPr marL="914400" algn="l" defTabSz="914400" rtl="0" eaLnBrk="1" latinLnBrk="0" hangingPunct="1">
+      <a:defRPr sz="1200" kern="1200">
+        <a:solidFill>
+          <a:schemeClr val="tx1"/>
+        </a:solidFill>
+        <a:latin typeface="+mn-lt"/>
+        <a:ea typeface="+mn-ea"/>
+        <a:cs typeface="+mn-cs"/>
+      </a:defRPr>
+    </a:lvl3pPr>
+    <a:lvl4pPr marL="1371600" algn="l" defTabSz="914400" rtl="0" eaLnBrk="1" latinLnBrk="0" hangingPunct="1">
+      <a:defRPr sz="1200" kern="1200">
+        <a:solidFill>
+          <a:schemeClr val="tx1"/>
+        </a:solidFill>
+        <a:latin typeface="+mn-lt"/>
+        <a:ea typeface="+mn-ea"/>
+        <a:cs typeface="+mn-cs"/>
+      </a:defRPr>
+    </a:lvl4pPr>
+    <a:lvl5pPr marL="1828800" algn="l" defTabSz="914400" rtl="0" eaLnBrk="1" latinLnBrk="0" hangingPunct="1">
+      <a:defRPr sz="1200" kern="1200">
+        <a:solidFill>
+          <a:schemeClr val="tx1"/>
+        </a:solidFill>
+        <a:latin typeface="+mn-lt"/>
+        <a:ea typeface="+mn-ea"/>
+        <a:cs typeface="+mn-cs"/>
+      </a:defRPr>
+    </a:lvl5pPr>
+    <a:lvl6pPr marL="2286000" algn="l" defTabSz="914400" rtl="0" eaLnBrk="1" latinLnBrk="0" hangingPunct="1">
+      <a:defRPr sz="1200" kern="1200">
+        <a:solidFill>
+          <a:schemeClr val="tx1"/>
+        </a:solidFill>
+        <a:latin typeface="+mn-lt"/>
+        <a:ea typeface="+mn-ea"/>
+        <a:cs typeface="+mn-cs"/>
+      </a:defRPr>
+    </a:lvl6pPr>
+    <a:lvl7pPr marL="2743200" algn="l" defTabSz="914400" rtl="0" eaLnBrk="1" latinLnBrk="0" hangingPunct="1">
+      <a:defRPr sz="1200" kern="1200">
+        <a:solidFill>
+          <a:schemeClr val="tx1"/>
+        </a:solidFill>
+        <a:latin typeface="+mn-lt"/>
+        <a:ea typeface="+mn-ea"/>
+        <a:cs typeface="+mn-cs"/>
+      </a:defRPr>
+    </a:lvl7pPr>
+    <a:lvl8pPr marL="3200400" algn="l" defTabSz="914400" rtl="0" eaLnBrk="1" latinLnBrk="0" hangingPunct="1">
+      <a:defRPr sz="1200" kern="1200">
+        <a:solidFill>
+          <a:schemeClr val="tx1"/>
+        </a:solidFill>
+        <a:latin typeface="+mn-lt"/>
+        <a:ea typeface="+mn-ea"/>
+        <a:cs typeface="+mn-cs"/>
+      </a:defRPr>
+    </a:lvl8pPr>
+    <a:lvl9pPr marL="3657600" algn="l" defTabSz="914400" rtl="0" eaLnBrk="1" latinLnBrk="0" hangingPunct="1">
+      <a:defRPr sz="1200" kern="1200">
+        <a:solidFill>
+          <a:schemeClr val="tx1"/>
+        </a:solidFill>
+        <a:latin typeface="+mn-lt"/>
+        <a:ea typeface="+mn-ea"/>
+        <a:cs typeface="+mn-cs"/>
+      </a:defRPr>
+    </a:lvl9pPr>
+  </p:notesStyle>
+</p:notesMaster>
+</file>
+
+<file path=ppt/notesSlides/notesSlide1.xml><?xml version="1.0" encoding="utf-8"?>
+<p:notes xmlns:a="http://schemas.openxmlformats.org/drawingml/2006/main" xmlns:r="http://schemas.openxmlformats.org/officeDocument/2006/relationships" xmlns:p="http://schemas.openxmlformats.org/presentationml/2006/main">
+  <p:cSld>
+    <p:spTree>
+      <p:nvGrpSpPr>
+        <p:cNvPr id="1" name=""/>
+        <p:cNvGrpSpPr/>
+        <p:nvPr/>
+      </p:nvGrpSpPr>
+      <p:grpSpPr>
+        <a:xfrm>
+          <a:off x="0" y="0"/>
+          <a:ext cx="0" cy="0"/>
+          <a:chOff x="0" y="0"/>
+          <a:chExt cx="0" cy="0"/>
+        </a:xfrm>
+      </p:grpSpPr>
+      <p:sp>
+        <p:nvSpPr>
+          <p:cNvPr id="2" name="Slide Image Placeholder 1"/>
+          <p:cNvSpPr>
+            <a:spLocks noGrp="1" noRot="1" noChangeAspect="1"/>
+          </p:cNvSpPr>
+          <p:nvPr>
+            <p:ph type="sldImg"/>
+          </p:nvPr>
+        </p:nvSpPr>
+        <p:spPr/>
+      </p:sp>
+      <p:sp>
+        <p:nvSpPr>
+          <p:cNvPr id="3" name="Notes Placeholder 2"/>
+          <p:cNvSpPr>
+            <a:spLocks noGrp="1"/>
+          </p:cNvSpPr>
+          <p:nvPr>
+            <p:ph type="body" idx="1"/>
+          </p:nvPr>
+        </p:nvSpPr>
+        <p:spPr/>
+        <p:txBody>
+          <a:bodyPr/>
+          <a:lstStyle/>
+          <a:p>
+            <a:endParaRPr lang="en-US" dirty="0"/>
+          </a:p>
+        </p:txBody>
+      </p:sp>
+      <p:sp>
+        <p:nvSpPr>
+          <p:cNvPr id="4" name="Slide Number Placeholder 3"/>
+          <p:cNvSpPr>
+            <a:spLocks noGrp="1"/>
+          </p:cNvSpPr>
+          <p:nvPr>
+            <p:ph type="sldNum" sz="quarter" idx="5"/>
+          </p:nvPr>
+        </p:nvSpPr>
+        <p:spPr/>
+        <p:txBody>
+          <a:bodyPr/>
+          <a:lstStyle/>
+          <a:p>
+            <a:fld id="{3033C470-99BA-4AE7-A513-851B23E76ACC}" type="slidenum">
+              <a:rPr lang="en-US" smtClean="0"/>
+              <a:t>1</a:t>
+            </a:fld>
+            <a:endParaRPr lang="en-US"/>
+          </a:p>
+        </p:txBody>
+      </p:sp>
+    </p:spTree>
+    <p:extLst>
+      <p:ext uri="{BB962C8B-B14F-4D97-AF65-F5344CB8AC3E}">
+        <p14:creationId xmlns:p14="http://schemas.microsoft.com/office/powerpoint/2010/main" val="3868482587"/>
+      </p:ext>
+    </p:extLst>
+  </p:cSld>
+  <p:clrMapOvr>
+    <a:masterClrMapping/>
+  </p:clrMapOvr>
+</p:notes>
+</file>
+
+<file path=ppt/notesSlides/notesSlide2.xml><?xml version="1.0" encoding="utf-8"?>
+<p:notes xmlns:a="http://schemas.openxmlformats.org/drawingml/2006/main" xmlns:r="http://schemas.openxmlformats.org/officeDocument/2006/relationships" xmlns:p="http://schemas.openxmlformats.org/presentationml/2006/main">
+  <p:cSld>
+    <p:spTree>
+      <p:nvGrpSpPr>
+        <p:cNvPr id="1" name="">
+          <a:extLst>
+            <a:ext uri="{FF2B5EF4-FFF2-40B4-BE49-F238E27FC236}">
+              <a16:creationId xmlns:a16="http://schemas.microsoft.com/office/drawing/2014/main" id="{D10992A5-C1AD-36FC-C7C7-9B368B92E64E}"/>
+            </a:ext>
+          </a:extLst>
+        </p:cNvPr>
+        <p:cNvGrpSpPr/>
+        <p:nvPr/>
+      </p:nvGrpSpPr>
+      <p:grpSpPr>
+        <a:xfrm>
+          <a:off x="0" y="0"/>
+          <a:ext cx="0" cy="0"/>
+          <a:chOff x="0" y="0"/>
+          <a:chExt cx="0" cy="0"/>
+        </a:xfrm>
+      </p:grpSpPr>
+      <p:sp>
+        <p:nvSpPr>
+          <p:cNvPr id="2" name="Slide Image Placeholder 1">
+            <a:extLst>
+              <a:ext uri="{FF2B5EF4-FFF2-40B4-BE49-F238E27FC236}">
+                <a16:creationId xmlns:a16="http://schemas.microsoft.com/office/drawing/2014/main" id="{522DED45-5534-79DB-90CB-4721BF71E6AF}"/>
+              </a:ext>
+            </a:extLst>
+          </p:cNvPr>
+          <p:cNvSpPr>
+            <a:spLocks noGrp="1" noRot="1" noChangeAspect="1"/>
+          </p:cNvSpPr>
+          <p:nvPr>
+            <p:ph type="sldImg"/>
+          </p:nvPr>
+        </p:nvSpPr>
+        <p:spPr/>
+      </p:sp>
+      <p:sp>
+        <p:nvSpPr>
+          <p:cNvPr id="3" name="Notes Placeholder 2">
+            <a:extLst>
+              <a:ext uri="{FF2B5EF4-FFF2-40B4-BE49-F238E27FC236}">
+                <a16:creationId xmlns:a16="http://schemas.microsoft.com/office/drawing/2014/main" id="{109EEBA3-0603-05D8-AED0-8E351485202F}"/>
+              </a:ext>
+            </a:extLst>
+          </p:cNvPr>
+          <p:cNvSpPr>
+            <a:spLocks noGrp="1"/>
+          </p:cNvSpPr>
+          <p:nvPr>
+            <p:ph type="body" idx="1"/>
+          </p:nvPr>
+        </p:nvSpPr>
+        <p:spPr/>
+        <p:txBody>
+          <a:bodyPr/>
+          <a:lstStyle/>
+          <a:p>
+            <a:endParaRPr lang="en-US" dirty="0"/>
+          </a:p>
+        </p:txBody>
+      </p:sp>
+      <p:sp>
+        <p:nvSpPr>
+          <p:cNvPr id="4" name="Slide Number Placeholder 3">
+            <a:extLst>
+              <a:ext uri="{FF2B5EF4-FFF2-40B4-BE49-F238E27FC236}">
+                <a16:creationId xmlns:a16="http://schemas.microsoft.com/office/drawing/2014/main" id="{290A625C-9D90-8C5B-DC5B-0ECFFC0AA72B}"/>
+              </a:ext>
+            </a:extLst>
+          </p:cNvPr>
+          <p:cNvSpPr>
+            <a:spLocks noGrp="1"/>
+          </p:cNvSpPr>
+          <p:nvPr>
+            <p:ph type="sldNum" sz="quarter" idx="5"/>
+          </p:nvPr>
+        </p:nvSpPr>
+        <p:spPr/>
+        <p:txBody>
+          <a:bodyPr/>
+          <a:lstStyle/>
+          <a:p>
+            <a:fld id="{3033C470-99BA-4AE7-A513-851B23E76ACC}" type="slidenum">
+              <a:rPr lang="en-US" smtClean="0"/>
+              <a:t>2</a:t>
+            </a:fld>
+            <a:endParaRPr lang="en-US"/>
+          </a:p>
+        </p:txBody>
+      </p:sp>
+    </p:spTree>
+    <p:extLst>
+      <p:ext uri="{BB962C8B-B14F-4D97-AF65-F5344CB8AC3E}">
+        <p14:creationId xmlns:p14="http://schemas.microsoft.com/office/powerpoint/2010/main" val="2855829749"/>
+      </p:ext>
+    </p:extLst>
+  </p:cSld>
+  <p:clrMapOvr>
+    <a:masterClrMapping/>
+  </p:clrMapOvr>
+</p:notes>
+</file>
+
 <file path=ppt/slideLayouts/slideLayout1.xml><?xml version="1.0" encoding="utf-8"?>
 <p:sldLayout xmlns:a="http://schemas.openxmlformats.org/drawingml/2006/main" xmlns:r="http://schemas.openxmlformats.org/officeDocument/2006/relationships" xmlns:p="http://schemas.openxmlformats.org/presentationml/2006/main" type="title" preserve="1">
   <p:cSld name="Title Slide">
@@ -3421,7 +3965,7 @@
           <a:p>
             <a:fld id="{5612872E-DE3B-4A15-8BA5-2CCF7CAF3D3F}" type="datetimeFigureOut">
               <a:rPr lang="en-US" smtClean="0"/>
-              <a:t>7/17/2025</a:t>
+              <a:t>9/4/2025</a:t>
             </a:fld>
             <a:endParaRPr lang="en-US"/>
           </a:p>
@@ -3619,7 +4163,7 @@
           <a:p>
             <a:fld id="{5612872E-DE3B-4A15-8BA5-2CCF7CAF3D3F}" type="datetimeFigureOut">
               <a:rPr lang="en-US" smtClean="0"/>
-              <a:t>7/17/2025</a:t>
+              <a:t>9/4/2025</a:t>
             </a:fld>
             <a:endParaRPr lang="en-US"/>
           </a:p>
@@ -3827,7 +4371,7 @@
           <a:p>
             <a:fld id="{5612872E-DE3B-4A15-8BA5-2CCF7CAF3D3F}" type="datetimeFigureOut">
               <a:rPr lang="en-US" smtClean="0"/>
-              <a:t>7/17/2025</a:t>
+              <a:t>9/4/2025</a:t>
             </a:fld>
             <a:endParaRPr lang="en-US"/>
           </a:p>
@@ -4025,7 +4569,7 @@
           <a:p>
             <a:fld id="{5612872E-DE3B-4A15-8BA5-2CCF7CAF3D3F}" type="datetimeFigureOut">
               <a:rPr lang="en-US" smtClean="0"/>
-              <a:t>7/17/2025</a:t>
+              <a:t>9/4/2025</a:t>
             </a:fld>
             <a:endParaRPr lang="en-US"/>
           </a:p>
@@ -4300,7 +4844,7 @@
           <a:p>
             <a:fld id="{5612872E-DE3B-4A15-8BA5-2CCF7CAF3D3F}" type="datetimeFigureOut">
               <a:rPr lang="en-US" smtClean="0"/>
-              <a:t>7/17/2025</a:t>
+              <a:t>9/4/2025</a:t>
             </a:fld>
             <a:endParaRPr lang="en-US"/>
           </a:p>
@@ -4565,7 +5109,7 @@
           <a:p>
             <a:fld id="{5612872E-DE3B-4A15-8BA5-2CCF7CAF3D3F}" type="datetimeFigureOut">
               <a:rPr lang="en-US" smtClean="0"/>
-              <a:t>7/17/2025</a:t>
+              <a:t>9/4/2025</a:t>
             </a:fld>
             <a:endParaRPr lang="en-US"/>
           </a:p>
@@ -4977,7 +5521,7 @@
           <a:p>
             <a:fld id="{5612872E-DE3B-4A15-8BA5-2CCF7CAF3D3F}" type="datetimeFigureOut">
               <a:rPr lang="en-US" smtClean="0"/>
-              <a:t>7/17/2025</a:t>
+              <a:t>9/4/2025</a:t>
             </a:fld>
             <a:endParaRPr lang="en-US"/>
           </a:p>
@@ -5118,7 +5662,7 @@
           <a:p>
             <a:fld id="{5612872E-DE3B-4A15-8BA5-2CCF7CAF3D3F}" type="datetimeFigureOut">
               <a:rPr lang="en-US" smtClean="0"/>
-              <a:t>7/17/2025</a:t>
+              <a:t>9/4/2025</a:t>
             </a:fld>
             <a:endParaRPr lang="en-US"/>
           </a:p>
@@ -5231,7 +5775,7 @@
           <a:p>
             <a:fld id="{5612872E-DE3B-4A15-8BA5-2CCF7CAF3D3F}" type="datetimeFigureOut">
               <a:rPr lang="en-US" smtClean="0"/>
-              <a:t>7/17/2025</a:t>
+              <a:t>9/4/2025</a:t>
             </a:fld>
             <a:endParaRPr lang="en-US"/>
           </a:p>
@@ -5542,7 +6086,7 @@
           <a:p>
             <a:fld id="{5612872E-DE3B-4A15-8BA5-2CCF7CAF3D3F}" type="datetimeFigureOut">
               <a:rPr lang="en-US" smtClean="0"/>
-              <a:t>7/17/2025</a:t>
+              <a:t>9/4/2025</a:t>
             </a:fld>
             <a:endParaRPr lang="en-US"/>
           </a:p>
@@ -5830,7 +6374,7 @@
           <a:p>
             <a:fld id="{5612872E-DE3B-4A15-8BA5-2CCF7CAF3D3F}" type="datetimeFigureOut">
               <a:rPr lang="en-US" smtClean="0"/>
-              <a:t>7/17/2025</a:t>
+              <a:t>9/4/2025</a:t>
             </a:fld>
             <a:endParaRPr lang="en-US"/>
           </a:p>
@@ -6071,7 +6615,7 @@
           <a:p>
             <a:fld id="{5612872E-DE3B-4A15-8BA5-2CCF7CAF3D3F}" type="datetimeFigureOut">
               <a:rPr lang="en-US" smtClean="0"/>
-              <a:t>7/17/2025</a:t>
+              <a:t>9/4/2025</a:t>
             </a:fld>
             <a:endParaRPr lang="en-US"/>
           </a:p>
@@ -6490,10 +7034,10 @@
       </p:grpSpPr>
       <p:grpSp>
         <p:nvGrpSpPr>
-          <p:cNvPr id="12" name="Group 11">
+          <p:cNvPr id="3" name="Group 2">
             <a:extLst>
               <a:ext uri="{FF2B5EF4-FFF2-40B4-BE49-F238E27FC236}">
-                <a16:creationId xmlns:a16="http://schemas.microsoft.com/office/drawing/2014/main" id="{DFF1B98B-4BFF-88F1-9A30-7ED8667064AD}"/>
+                <a16:creationId xmlns:a16="http://schemas.microsoft.com/office/drawing/2014/main" id="{2E9EE1E6-9821-EB86-0764-6E01607E27A0}"/>
               </a:ext>
             </a:extLst>
           </p:cNvPr>
@@ -6502,11 +7046,16 @@
         </p:nvGrpSpPr>
         <p:grpSpPr>
           <a:xfrm>
-            <a:off x="0" y="664369"/>
-            <a:ext cx="12115800" cy="5729287"/>
-            <a:chOff x="0" y="664369"/>
-            <a:chExt cx="12115800" cy="5729287"/>
+            <a:off x="-421425" y="562506"/>
+            <a:ext cx="12428443" cy="6090542"/>
+            <a:chOff x="-421425" y="562506"/>
+            <a:chExt cx="12428443" cy="6090542"/>
           </a:xfrm>
+          <a:solidFill>
+            <a:schemeClr val="bg1">
+              <a:alpha val="0"/>
+            </a:schemeClr>
+          </a:solidFill>
         </p:grpSpPr>
         <p:graphicFrame>
           <p:nvGraphicFramePr>
@@ -6521,27 +7070,27 @@
             <p:nvPr>
               <p:extLst>
                 <p:ext uri="{D42A27DB-BD31-4B8C-83A1-F6EECF244321}">
-                  <p14:modId xmlns:p14="http://schemas.microsoft.com/office/powerpoint/2010/main" val="2831962320"/>
+                  <p14:modId xmlns:p14="http://schemas.microsoft.com/office/powerpoint/2010/main" val="2484733990"/>
                 </p:ext>
               </p:extLst>
             </p:nvPr>
           </p:nvGraphicFramePr>
           <p:xfrm>
-            <a:off x="2032000" y="719666"/>
+            <a:off x="-421425" y="876827"/>
             <a:ext cx="8128000" cy="5418667"/>
           </p:xfrm>
           <a:graphic>
             <a:graphicData uri="http://schemas.openxmlformats.org/drawingml/2006/diagram">
-              <dgm:relIds xmlns:dgm="http://schemas.openxmlformats.org/drawingml/2006/diagram" xmlns:r="http://schemas.openxmlformats.org/officeDocument/2006/relationships" r:dm="rId2" r:lo="rId3" r:qs="rId4" r:cs="rId5"/>
+              <dgm:relIds xmlns:dgm="http://schemas.openxmlformats.org/drawingml/2006/diagram" xmlns:r="http://schemas.openxmlformats.org/officeDocument/2006/relationships" r:dm="rId3" r:lo="rId4" r:qs="rId5" r:cs="rId6"/>
             </a:graphicData>
           </a:graphic>
         </p:graphicFrame>
         <p:sp>
           <p:nvSpPr>
-            <p:cNvPr id="11" name="Rectangle 10">
+            <p:cNvPr id="2" name="Rectangle 1">
               <a:extLst>
                 <a:ext uri="{FF2B5EF4-FFF2-40B4-BE49-F238E27FC236}">
-                  <a16:creationId xmlns:a16="http://schemas.microsoft.com/office/drawing/2014/main" id="{1E9F92B0-21E0-184D-B65E-AA7DECDF18F8}"/>
+                  <a16:creationId xmlns:a16="http://schemas.microsoft.com/office/drawing/2014/main" id="{24D895E7-F21E-AD31-C048-DD82D12BE841}"/>
                 </a:ext>
               </a:extLst>
             </p:cNvPr>
@@ -6550,13 +7099,13 @@
           </p:nvSpPr>
           <p:spPr>
             <a:xfrm>
-              <a:off x="0" y="664369"/>
-              <a:ext cx="12115800" cy="5729287"/>
+              <a:off x="353148" y="562506"/>
+              <a:ext cx="11653870" cy="6090542"/>
             </a:xfrm>
             <a:prstGeom prst="rect">
               <a:avLst/>
             </a:prstGeom>
-            <a:noFill/>
+            <a:grpFill/>
             <a:ln>
               <a:solidFill>
                 <a:srgbClr val="FFF0DB"/>
@@ -6610,7 +7159,7 @@
         <p:cNvPr id="1" name="">
           <a:extLst>
             <a:ext uri="{FF2B5EF4-FFF2-40B4-BE49-F238E27FC236}">
-              <a16:creationId xmlns:a16="http://schemas.microsoft.com/office/drawing/2014/main" id="{2735A597-033F-9F69-081B-BAB6394ACA27}"/>
+              <a16:creationId xmlns:a16="http://schemas.microsoft.com/office/drawing/2014/main" id="{4AC8C007-8A1F-F58F-4ADB-059398C7FE69}"/>
             </a:ext>
           </a:extLst>
         </p:cNvPr>
@@ -6627,10 +7176,10 @@
       </p:grpSpPr>
       <p:grpSp>
         <p:nvGrpSpPr>
-          <p:cNvPr id="12" name="Group 11">
+          <p:cNvPr id="7" name="Group 6">
             <a:extLst>
               <a:ext uri="{FF2B5EF4-FFF2-40B4-BE49-F238E27FC236}">
-                <a16:creationId xmlns:a16="http://schemas.microsoft.com/office/drawing/2014/main" id="{FC54C8CD-C811-E33F-3B95-58D690268D82}"/>
+                <a16:creationId xmlns:a16="http://schemas.microsoft.com/office/drawing/2014/main" id="{65EF443A-0A3E-6FF2-F6B2-A8A749B0E8CB}"/>
               </a:ext>
             </a:extLst>
           </p:cNvPr>
@@ -6639,18 +7188,18 @@
         </p:nvGrpSpPr>
         <p:grpSpPr>
           <a:xfrm>
-            <a:off x="0" y="664369"/>
-            <a:ext cx="12115800" cy="5729287"/>
-            <a:chOff x="0" y="664369"/>
-            <a:chExt cx="12115800" cy="5729287"/>
+            <a:off x="353148" y="562506"/>
+            <a:ext cx="12043879" cy="6090542"/>
+            <a:chOff x="353148" y="562506"/>
+            <a:chExt cx="12043879" cy="6090542"/>
           </a:xfrm>
         </p:grpSpPr>
         <p:grpSp>
           <p:nvGrpSpPr>
-            <p:cNvPr id="10" name="Group 9">
+            <p:cNvPr id="3" name="Group 2">
               <a:extLst>
                 <a:ext uri="{FF2B5EF4-FFF2-40B4-BE49-F238E27FC236}">
-                  <a16:creationId xmlns:a16="http://schemas.microsoft.com/office/drawing/2014/main" id="{F0B685F6-BD93-25C5-7774-B7F0877CE733}"/>
+                  <a16:creationId xmlns:a16="http://schemas.microsoft.com/office/drawing/2014/main" id="{135B3118-8384-E53E-CBBA-9E8AE012D67B}"/>
                 </a:ext>
               </a:extLst>
             </p:cNvPr>
@@ -6659,18 +7208,23 @@
           </p:nvGrpSpPr>
           <p:grpSpPr>
             <a:xfrm>
-              <a:off x="56755" y="1128811"/>
-              <a:ext cx="11994750" cy="5204359"/>
-              <a:chOff x="56755" y="1128811"/>
-              <a:chExt cx="11994750" cy="5204359"/>
+              <a:off x="353148" y="562506"/>
+              <a:ext cx="12043879" cy="6090542"/>
+              <a:chOff x="353148" y="562506"/>
+              <a:chExt cx="12043879" cy="6090542"/>
             </a:xfrm>
+            <a:solidFill>
+              <a:schemeClr val="bg1">
+                <a:alpha val="0"/>
+              </a:schemeClr>
+            </a:solidFill>
           </p:grpSpPr>
           <p:sp>
             <p:nvSpPr>
-              <p:cNvPr id="2" name="Callout: Bent Line 1">
+              <p:cNvPr id="2" name="Rectangle 1">
                 <a:extLst>
                   <a:ext uri="{FF2B5EF4-FFF2-40B4-BE49-F238E27FC236}">
-                    <a16:creationId xmlns:a16="http://schemas.microsoft.com/office/drawing/2014/main" id="{B4F4BDCB-4A27-50D9-0586-2BAB11D71BA8}"/>
+                    <a16:creationId xmlns:a16="http://schemas.microsoft.com/office/drawing/2014/main" id="{3B14F9A4-6238-6B18-0E78-06F05829B6AA}"/>
                   </a:ext>
                 </a:extLst>
               </p:cNvPr>
@@ -6678,28 +7232,19 @@
               <p:nvPr/>
             </p:nvSpPr>
             <p:spPr>
-              <a:xfrm flipH="1">
-                <a:off x="56755" y="1128811"/>
-                <a:ext cx="3065063" cy="1065748"/>
+              <a:xfrm>
+                <a:off x="353148" y="562506"/>
+                <a:ext cx="11653870" cy="6090542"/>
               </a:xfrm>
-              <a:prstGeom prst="borderCallout2">
-                <a:avLst>
-                  <a:gd name="adj1" fmla="val 48244"/>
-                  <a:gd name="adj2" fmla="val -135"/>
-                  <a:gd name="adj3" fmla="val 66341"/>
-                  <a:gd name="adj4" fmla="val -6174"/>
-                  <a:gd name="adj5" fmla="val 108478"/>
-                  <a:gd name="adj6" fmla="val -18465"/>
-                </a:avLst>
+              <a:prstGeom prst="rect">
+                <a:avLst/>
               </a:prstGeom>
-              <a:solidFill>
-                <a:schemeClr val="accent1">
-                  <a:alpha val="0"/>
-                </a:schemeClr>
-              </a:solidFill>
+              <a:grpFill/>
               <a:ln>
                 <a:solidFill>
-                  <a:srgbClr val="7030A0"/>
+                  <a:srgbClr val="FFF0DB">
+                    <a:alpha val="0"/>
+                  </a:srgbClr>
                 </a:solidFill>
               </a:ln>
             </p:spPr>
@@ -6723,17 +7268,204 @@
               <a:bodyPr rtlCol="0" anchor="ctr"/>
               <a:lstStyle/>
               <a:p>
+                <a:pPr algn="ctr"/>
+                <a:endParaRPr lang="en-US"/>
+              </a:p>
+            </p:txBody>
+          </p:sp>
+          <p:grpSp>
+            <p:nvGrpSpPr>
+              <p:cNvPr id="10" name="Group 9">
+                <a:extLst>
+                  <a:ext uri="{FF2B5EF4-FFF2-40B4-BE49-F238E27FC236}">
+                    <a16:creationId xmlns:a16="http://schemas.microsoft.com/office/drawing/2014/main" id="{29D15A80-6DC7-9608-9D72-357844DF36E6}"/>
+                  </a:ext>
+                </a:extLst>
+              </p:cNvPr>
+              <p:cNvGrpSpPr/>
+              <p:nvPr/>
+            </p:nvGrpSpPr>
+            <p:grpSpPr>
+              <a:xfrm>
+                <a:off x="6762554" y="3344330"/>
+                <a:ext cx="1045028" cy="483660"/>
+                <a:chOff x="9741989" y="2758023"/>
+                <a:chExt cx="1045028" cy="483660"/>
+              </a:xfrm>
+              <a:grpFill/>
+            </p:grpSpPr>
+            <p:sp>
+              <p:nvSpPr>
+                <p:cNvPr id="8" name="Arrow: Right 7">
+                  <a:extLst>
+                    <a:ext uri="{FF2B5EF4-FFF2-40B4-BE49-F238E27FC236}">
+                      <a16:creationId xmlns:a16="http://schemas.microsoft.com/office/drawing/2014/main" id="{6B8B7912-FB3A-D633-CEA0-F191A5B79D54}"/>
+                    </a:ext>
+                  </a:extLst>
+                </p:cNvPr>
+                <p:cNvSpPr/>
+                <p:nvPr/>
+              </p:nvSpPr>
+              <p:spPr>
+                <a:xfrm rot="10800000">
+                  <a:off x="9741989" y="2758024"/>
+                  <a:ext cx="836022" cy="483659"/>
+                </a:xfrm>
+                <a:prstGeom prst="rightArrow">
+                  <a:avLst>
+                    <a:gd name="adj1" fmla="val 60000"/>
+                    <a:gd name="adj2" fmla="val 50000"/>
+                  </a:avLst>
+                </a:prstGeom>
+                <a:grpFill/>
+                <a:ln>
+                  <a:noFill/>
+                </a:ln>
+              </p:spPr>
+              <p:style>
+                <a:lnRef idx="0">
+                  <a:schemeClr val="accent1">
+                    <a:tint val="60000"/>
+                    <a:hueOff val="0"/>
+                    <a:satOff val="0"/>
+                    <a:lumOff val="0"/>
+                    <a:alphaOff val="0"/>
+                  </a:schemeClr>
+                </a:lnRef>
+                <a:fillRef idx="1">
+                  <a:schemeClr val="accent1">
+                    <a:tint val="60000"/>
+                    <a:hueOff val="0"/>
+                    <a:satOff val="0"/>
+                    <a:lumOff val="0"/>
+                    <a:alphaOff val="0"/>
+                  </a:schemeClr>
+                </a:fillRef>
+                <a:effectRef idx="0">
+                  <a:schemeClr val="accent1">
+                    <a:tint val="60000"/>
+                    <a:hueOff val="0"/>
+                    <a:satOff val="0"/>
+                    <a:lumOff val="0"/>
+                    <a:alphaOff val="0"/>
+                  </a:schemeClr>
+                </a:effectRef>
+                <a:fontRef idx="minor">
+                  <a:schemeClr val="lt1"/>
+                </a:fontRef>
+              </p:style>
+            </p:sp>
+            <p:sp>
+              <p:nvSpPr>
+                <p:cNvPr id="9" name="Arrow: Right 8">
+                  <a:extLst>
+                    <a:ext uri="{FF2B5EF4-FFF2-40B4-BE49-F238E27FC236}">
+                      <a16:creationId xmlns:a16="http://schemas.microsoft.com/office/drawing/2014/main" id="{0CF6C9CC-2C93-8CCC-0FAA-E2EFF6C14564}"/>
+                    </a:ext>
+                  </a:extLst>
+                </p:cNvPr>
+                <p:cNvSpPr/>
+                <p:nvPr/>
+              </p:nvSpPr>
+              <p:spPr>
+                <a:xfrm>
+                  <a:off x="9950995" y="2758023"/>
+                  <a:ext cx="836022" cy="483659"/>
+                </a:xfrm>
+                <a:prstGeom prst="rightArrow">
+                  <a:avLst>
+                    <a:gd name="adj1" fmla="val 60000"/>
+                    <a:gd name="adj2" fmla="val 50000"/>
+                  </a:avLst>
+                </a:prstGeom>
+                <a:grpFill/>
+                <a:ln>
+                  <a:noFill/>
+                </a:ln>
+              </p:spPr>
+              <p:style>
+                <a:lnRef idx="0">
+                  <a:schemeClr val="accent1">
+                    <a:tint val="60000"/>
+                    <a:hueOff val="0"/>
+                    <a:satOff val="0"/>
+                    <a:lumOff val="0"/>
+                    <a:alphaOff val="0"/>
+                  </a:schemeClr>
+                </a:lnRef>
+                <a:fillRef idx="1">
+                  <a:schemeClr val="accent1">
+                    <a:tint val="60000"/>
+                    <a:hueOff val="0"/>
+                    <a:satOff val="0"/>
+                    <a:lumOff val="0"/>
+                    <a:alphaOff val="0"/>
+                  </a:schemeClr>
+                </a:fillRef>
+                <a:effectRef idx="0">
+                  <a:schemeClr val="accent1">
+                    <a:tint val="60000"/>
+                    <a:hueOff val="0"/>
+                    <a:satOff val="0"/>
+                    <a:lumOff val="0"/>
+                    <a:alphaOff val="0"/>
+                  </a:schemeClr>
+                </a:effectRef>
+                <a:fontRef idx="minor">
+                  <a:schemeClr val="lt1"/>
+                </a:fontRef>
+              </p:style>
+              <p:txBody>
+                <a:bodyPr/>
+                <a:lstStyle/>
+                <a:p>
+                  <a:endParaRPr lang="en-US" dirty="0"/>
+                </a:p>
+              </p:txBody>
+            </p:sp>
+          </p:grpSp>
+          <p:sp>
+            <p:nvSpPr>
+              <p:cNvPr id="14" name="TextBox 13">
+                <a:extLst>
+                  <a:ext uri="{FF2B5EF4-FFF2-40B4-BE49-F238E27FC236}">
+                    <a16:creationId xmlns:a16="http://schemas.microsoft.com/office/drawing/2014/main" id="{B5E51B4A-2B38-0374-5C40-D136883BA72B}"/>
+                  </a:ext>
+                </a:extLst>
+              </p:cNvPr>
+              <p:cNvSpPr txBox="1"/>
+              <p:nvPr/>
+            </p:nvSpPr>
+            <p:spPr>
+              <a:xfrm>
+                <a:off x="8263869" y="2822947"/>
+                <a:ext cx="4133158" cy="1569660"/>
+              </a:xfrm>
+              <a:prstGeom prst="rect">
+                <a:avLst/>
+              </a:prstGeom>
+              <a:grpFill/>
+              <a:ln>
+                <a:noFill/>
+              </a:ln>
+            </p:spPr>
+            <p:txBody>
+              <a:bodyPr wrap="square">
+                <a:spAutoFit/>
+              </a:bodyPr>
+              <a:lstStyle/>
+              <a:p>
                 <a:pPr marL="169863" indent="-169863">
                   <a:buFont typeface="Arial" panose="020B0604020202020204" pitchFamily="34" charset="0"/>
                   <a:buChar char="•"/>
                 </a:pPr>
                 <a:r>
-                  <a:rPr lang="en-US" sz="1100" dirty="0">
+                  <a:rPr lang="en-US" sz="1200" dirty="0">
                     <a:solidFill>
                       <a:srgbClr val="7030A0"/>
                     </a:solidFill>
                   </a:rPr>
-                  <a:t>Assault on Proteostasis Machinery</a:t>
+                  <a:t>Mitochondria Dysfunction</a:t>
                 </a:r>
               </a:p>
               <a:p>
@@ -6742,7 +7474,21 @@
                   <a:buChar char="•"/>
                 </a:pPr>
                 <a:r>
-                  <a:rPr lang="en-US" sz="1100" dirty="0">
+                  <a:rPr lang="en-US" sz="1200" dirty="0">
+                    <a:solidFill>
+                      <a:srgbClr val="7030A0"/>
+                    </a:solidFill>
+                  </a:rPr>
+                  <a:t>Proteostasis Machinery Dysfunction</a:t>
+                </a:r>
+              </a:p>
+              <a:p>
+                <a:pPr marL="169863" indent="-169863">
+                  <a:buFont typeface="Arial" panose="020B0604020202020204" pitchFamily="34" charset="0"/>
+                  <a:buChar char="•"/>
+                </a:pPr>
+                <a:r>
+                  <a:rPr lang="en-US" sz="1200" dirty="0">
                     <a:solidFill>
                       <a:srgbClr val="7030A0"/>
                     </a:solidFill>
@@ -6755,86 +7501,24 @@
                   <a:buFont typeface="Arial" panose="020B0604020202020204" pitchFamily="34" charset="0"/>
                   <a:buChar char="•"/>
                 </a:pPr>
-                <a:r>
-                  <a:rPr lang="en-US" sz="1100" dirty="0">
-                    <a:solidFill>
-                      <a:srgbClr val="7030A0"/>
-                    </a:solidFill>
-                  </a:rPr>
-                  <a:t>DAMPs are exported to activate innate immune system in glial cells</a:t>
-                </a:r>
+                <a:endParaRPr lang="en-US" sz="1200" dirty="0">
+                  <a:solidFill>
+                    <a:srgbClr val="7030A0"/>
+                  </a:solidFill>
+                </a:endParaRPr>
               </a:p>
-            </p:txBody>
-          </p:sp>
-          <p:sp>
-            <p:nvSpPr>
-              <p:cNvPr id="5" name="Callout: Bent Line 4">
-                <a:extLst>
-                  <a:ext uri="{FF2B5EF4-FFF2-40B4-BE49-F238E27FC236}">
-                    <a16:creationId xmlns:a16="http://schemas.microsoft.com/office/drawing/2014/main" id="{AE4AE660-85D7-EDB7-C2BA-3BA5156A896F}"/>
-                  </a:ext>
-                </a:extLst>
-              </p:cNvPr>
-              <p:cNvSpPr/>
-              <p:nvPr/>
-            </p:nvSpPr>
-            <p:spPr>
-              <a:xfrm flipH="1">
-                <a:off x="8933442" y="5267422"/>
-                <a:ext cx="3118063" cy="1065748"/>
-              </a:xfrm>
-              <a:prstGeom prst="borderCallout2">
-                <a:avLst>
-                  <a:gd name="adj1" fmla="val 18750"/>
-                  <a:gd name="adj2" fmla="val 150"/>
-                  <a:gd name="adj3" fmla="val 20091"/>
-                  <a:gd name="adj4" fmla="val -68"/>
-                  <a:gd name="adj5" fmla="val 18658"/>
-                  <a:gd name="adj6" fmla="val -947"/>
-                </a:avLst>
-              </a:prstGeom>
-              <a:solidFill>
-                <a:srgbClr val="0070C0">
-                  <a:alpha val="0"/>
-                </a:srgbClr>
-              </a:solidFill>
-              <a:ln>
-                <a:solidFill>
-                  <a:srgbClr val="7030A0"/>
-                </a:solidFill>
-              </a:ln>
-            </p:spPr>
-            <p:style>
-              <a:lnRef idx="2">
-                <a:schemeClr val="accent1">
-                  <a:shade val="15000"/>
-                </a:schemeClr>
-              </a:lnRef>
-              <a:fillRef idx="1">
-                <a:schemeClr val="accent1"/>
-              </a:fillRef>
-              <a:effectRef idx="0">
-                <a:schemeClr val="accent1"/>
-              </a:effectRef>
-              <a:fontRef idx="minor">
-                <a:schemeClr val="lt1"/>
-              </a:fontRef>
-            </p:style>
-            <p:txBody>
-              <a:bodyPr rtlCol="0" anchor="ctr"/>
-              <a:lstStyle/>
               <a:p>
                 <a:pPr marL="169863" indent="-169863">
                   <a:buFont typeface="Arial" panose="020B0604020202020204" pitchFamily="34" charset="0"/>
                   <a:buChar char="•"/>
                 </a:pPr>
                 <a:r>
-                  <a:rPr lang="en-US" sz="1100" dirty="0">
+                  <a:rPr lang="en-US" sz="1200" dirty="0">
                     <a:solidFill>
                       <a:srgbClr val="7030A0"/>
                     </a:solidFill>
                   </a:rPr>
-                  <a:t>Assault on Proteostasis Machinery</a:t>
+                  <a:t>All leads to more α-synuclein misfolding</a:t>
                 </a:r>
               </a:p>
               <a:p>
@@ -6843,12 +7527,12 @@
                   <a:buChar char="•"/>
                 </a:pPr>
                 <a:r>
-                  <a:rPr lang="en-US" sz="1100" dirty="0">
+                  <a:rPr lang="en-US" sz="1200" dirty="0">
                     <a:solidFill>
                       <a:srgbClr val="7030A0"/>
                     </a:solidFill>
                   </a:rPr>
-                  <a:t>P-Body loses regulatory control on SNCA mRNA</a:t>
+                  <a:t>This feeds the α-synuclein aggregation pathway</a:t>
                 </a:r>
               </a:p>
               <a:p>
@@ -6857,67 +7541,83 @@
                   <a:buChar char="•"/>
                 </a:pPr>
                 <a:r>
-                  <a:rPr lang="en-US" sz="1100" dirty="0">
+                  <a:rPr lang="en-US" sz="1200" dirty="0">
                     <a:solidFill>
                       <a:srgbClr val="7030A0"/>
                     </a:solidFill>
                   </a:rPr>
-                  <a:t>DAMPs are exported to activate innate immune system in glial cells</a:t>
+                  <a:t>The oligomeric form along the α-synuclein pathway also engages PRRs</a:t>
                 </a:r>
               </a:p>
             </p:txBody>
           </p:sp>
-          <p:cxnSp>
-            <p:nvCxnSpPr>
-              <p:cNvPr id="7" name="Straight Connector 6">
-                <a:extLst>
-                  <a:ext uri="{FF2B5EF4-FFF2-40B4-BE49-F238E27FC236}">
-                    <a16:creationId xmlns:a16="http://schemas.microsoft.com/office/drawing/2014/main" id="{8B39657B-FB9E-FB20-6E08-D815410EE879}"/>
-                  </a:ext>
-                </a:extLst>
-              </p:cNvPr>
-              <p:cNvCxnSpPr>
-                <a:cxnSpLocks/>
-                <a:stCxn id="5" idx="0"/>
-              </p:cNvCxnSpPr>
-              <p:nvPr/>
-            </p:nvCxnSpPr>
-            <p:spPr>
-              <a:xfrm flipH="1" flipV="1">
-                <a:off x="8101013" y="5522119"/>
-                <a:ext cx="832429" cy="278177"/>
-              </a:xfrm>
-              <a:prstGeom prst="line">
-                <a:avLst/>
-              </a:prstGeom>
-              <a:ln>
-                <a:solidFill>
-                  <a:srgbClr val="7030A0"/>
-                </a:solidFill>
-              </a:ln>
-            </p:spPr>
-            <p:style>
-              <a:lnRef idx="2">
-                <a:schemeClr val="dk1"/>
-              </a:lnRef>
-              <a:fillRef idx="0">
-                <a:schemeClr val="dk1"/>
-              </a:fillRef>
-              <a:effectRef idx="1">
-                <a:schemeClr val="dk1"/>
-              </a:effectRef>
-              <a:fontRef idx="minor">
-                <a:schemeClr val="tx1"/>
-              </a:fontRef>
-            </p:style>
-          </p:cxnSp>
         </p:grpSp>
         <p:sp>
           <p:nvSpPr>
-            <p:cNvPr id="11" name="Rectangle 10">
+            <p:cNvPr id="5" name="Arrow: Right 4">
               <a:extLst>
                 <a:ext uri="{FF2B5EF4-FFF2-40B4-BE49-F238E27FC236}">
-                  <a16:creationId xmlns:a16="http://schemas.microsoft.com/office/drawing/2014/main" id="{EDF44E7F-A610-55B3-8DE4-CB23222B64F2}"/>
+                  <a16:creationId xmlns:a16="http://schemas.microsoft.com/office/drawing/2014/main" id="{F53B327B-DDBC-80B9-EA0F-BBBE102212F0}"/>
+                </a:ext>
+              </a:extLst>
+            </p:cNvPr>
+            <p:cNvSpPr/>
+            <p:nvPr/>
+          </p:nvSpPr>
+          <p:spPr>
+            <a:xfrm rot="10800000">
+              <a:off x="7055852" y="3344331"/>
+              <a:ext cx="836022" cy="483659"/>
+            </a:xfrm>
+            <a:prstGeom prst="rightArrow">
+              <a:avLst>
+                <a:gd name="adj1" fmla="val 60000"/>
+                <a:gd name="adj2" fmla="val 50000"/>
+              </a:avLst>
+            </a:prstGeom>
+            <a:ln>
+              <a:noFill/>
+            </a:ln>
+          </p:spPr>
+          <p:style>
+            <a:lnRef idx="0">
+              <a:schemeClr val="accent1">
+                <a:tint val="60000"/>
+                <a:hueOff val="0"/>
+                <a:satOff val="0"/>
+                <a:lumOff val="0"/>
+                <a:alphaOff val="0"/>
+              </a:schemeClr>
+            </a:lnRef>
+            <a:fillRef idx="1">
+              <a:schemeClr val="accent1">
+                <a:tint val="60000"/>
+                <a:hueOff val="0"/>
+                <a:satOff val="0"/>
+                <a:lumOff val="0"/>
+                <a:alphaOff val="0"/>
+              </a:schemeClr>
+            </a:fillRef>
+            <a:effectRef idx="0">
+              <a:schemeClr val="accent1">
+                <a:tint val="60000"/>
+                <a:hueOff val="0"/>
+                <a:satOff val="0"/>
+                <a:lumOff val="0"/>
+                <a:alphaOff val="0"/>
+              </a:schemeClr>
+            </a:effectRef>
+            <a:fontRef idx="minor">
+              <a:schemeClr val="lt1"/>
+            </a:fontRef>
+          </p:style>
+        </p:sp>
+        <p:sp>
+          <p:nvSpPr>
+            <p:cNvPr id="6" name="Arrow: Right 5">
+              <a:extLst>
+                <a:ext uri="{FF2B5EF4-FFF2-40B4-BE49-F238E27FC236}">
+                  <a16:creationId xmlns:a16="http://schemas.microsoft.com/office/drawing/2014/main" id="{7EB3AE0F-1843-C3AA-B280-21E9F350928C}"/>
                 </a:ext>
               </a:extLst>
             </p:cNvPr>
@@ -6926,41 +7626,56 @@
           </p:nvSpPr>
           <p:spPr>
             <a:xfrm>
-              <a:off x="0" y="664369"/>
-              <a:ext cx="12115800" cy="5729287"/>
+              <a:off x="7264858" y="3344330"/>
+              <a:ext cx="836022" cy="483659"/>
             </a:xfrm>
-            <a:prstGeom prst="rect">
-              <a:avLst/>
+            <a:prstGeom prst="rightArrow">
+              <a:avLst>
+                <a:gd name="adj1" fmla="val 60000"/>
+                <a:gd name="adj2" fmla="val 50000"/>
+              </a:avLst>
             </a:prstGeom>
-            <a:noFill/>
             <a:ln>
-              <a:solidFill>
-                <a:srgbClr val="FFF0DB"/>
-              </a:solidFill>
+              <a:noFill/>
             </a:ln>
           </p:spPr>
           <p:style>
-            <a:lnRef idx="2">
+            <a:lnRef idx="0">
               <a:schemeClr val="accent1">
-                <a:shade val="15000"/>
+                <a:tint val="60000"/>
+                <a:hueOff val="0"/>
+                <a:satOff val="0"/>
+                <a:lumOff val="0"/>
+                <a:alphaOff val="0"/>
               </a:schemeClr>
             </a:lnRef>
             <a:fillRef idx="1">
-              <a:schemeClr val="accent1"/>
+              <a:schemeClr val="accent1">
+                <a:tint val="60000"/>
+                <a:hueOff val="0"/>
+                <a:satOff val="0"/>
+                <a:lumOff val="0"/>
+                <a:alphaOff val="0"/>
+              </a:schemeClr>
             </a:fillRef>
             <a:effectRef idx="0">
-              <a:schemeClr val="accent1"/>
+              <a:schemeClr val="accent1">
+                <a:tint val="60000"/>
+                <a:hueOff val="0"/>
+                <a:satOff val="0"/>
+                <a:lumOff val="0"/>
+                <a:alphaOff val="0"/>
+              </a:schemeClr>
             </a:effectRef>
             <a:fontRef idx="minor">
               <a:schemeClr val="lt1"/>
             </a:fontRef>
           </p:style>
           <p:txBody>
-            <a:bodyPr rtlCol="0" anchor="ctr"/>
+            <a:bodyPr/>
             <a:lstStyle/>
             <a:p>
-              <a:pPr algn="ctr"/>
-              <a:endParaRPr lang="en-US"/>
+              <a:endParaRPr lang="en-US" dirty="0"/>
             </a:p>
           </p:txBody>
         </p:sp>
@@ -6968,7 +7683,7 @@
     </p:spTree>
     <p:extLst>
       <p:ext uri="{BB962C8B-B14F-4D97-AF65-F5344CB8AC3E}">
-        <p14:creationId xmlns:p14="http://schemas.microsoft.com/office/powerpoint/2010/main" val="3722143847"/>
+        <p14:creationId xmlns:p14="http://schemas.microsoft.com/office/powerpoint/2010/main" val="1914269174"/>
       </p:ext>
     </p:extLst>
   </p:cSld>
@@ -7271,4 +7986,299 @@
     </a:ext>
   </a:extLst>
 </a:theme>
+</file>
+
+<file path=ppt/theme/theme2.xml><?xml version="1.0" encoding="utf-8"?>
+<a:theme xmlns:a="http://schemas.openxmlformats.org/drawingml/2006/main" name="Office Theme">
+  <a:themeElements>
+    <a:clrScheme name="Office">
+      <a:dk1>
+        <a:sysClr val="windowText" lastClr="000000"/>
+      </a:dk1>
+      <a:lt1>
+        <a:sysClr val="window" lastClr="FFFFFF"/>
+      </a:lt1>
+      <a:dk2>
+        <a:srgbClr val="44546A"/>
+      </a:dk2>
+      <a:lt2>
+        <a:srgbClr val="E7E6E6"/>
+      </a:lt2>
+      <a:accent1>
+        <a:srgbClr val="4472C4"/>
+      </a:accent1>
+      <a:accent2>
+        <a:srgbClr val="ED7D31"/>
+      </a:accent2>
+      <a:accent3>
+        <a:srgbClr val="A5A5A5"/>
+      </a:accent3>
+      <a:accent4>
+        <a:srgbClr val="FFC000"/>
+      </a:accent4>
+      <a:accent5>
+        <a:srgbClr val="5B9BD5"/>
+      </a:accent5>
+      <a:accent6>
+        <a:srgbClr val="70AD47"/>
+      </a:accent6>
+      <a:hlink>
+        <a:srgbClr val="0563C1"/>
+      </a:hlink>
+      <a:folHlink>
+        <a:srgbClr val="954F72"/>
+      </a:folHlink>
+    </a:clrScheme>
+    <a:fontScheme name="Office">
+      <a:majorFont>
+        <a:latin typeface="Calibri Light" panose="020F0302020204030204"/>
+        <a:ea typeface=""/>
+        <a:cs typeface=""/>
+        <a:font script="Jpan" typeface="游ゴシック Light"/>
+        <a:font script="Hang" typeface="맑은 고딕"/>
+        <a:font script="Hans" typeface="等线 Light"/>
+        <a:font script="Hant" typeface="新細明體"/>
+        <a:font script="Arab" typeface="Times New Roman"/>
+        <a:font script="Hebr" typeface="Times New Roman"/>
+        <a:font script="Thai" typeface="Angsana New"/>
+        <a:font script="Ethi" typeface="Nyala"/>
+        <a:font script="Beng" typeface="Vrinda"/>
+        <a:font script="Gujr" typeface="Shruti"/>
+        <a:font script="Khmr" typeface="MoolBoran"/>
+        <a:font script="Knda" typeface="Tunga"/>
+        <a:font script="Guru" typeface="Raavi"/>
+        <a:font script="Cans" typeface="Euphemia"/>
+        <a:font script="Cher" typeface="Plantagenet Cherokee"/>
+        <a:font script="Yiii" typeface="Microsoft Yi Baiti"/>
+        <a:font script="Tibt" typeface="Microsoft Himalaya"/>
+        <a:font script="Thaa" typeface="MV Boli"/>
+        <a:font script="Deva" typeface="Mangal"/>
+        <a:font script="Telu" typeface="Gautami"/>
+        <a:font script="Taml" typeface="Latha"/>
+        <a:font script="Syrc" typeface="Estrangelo Edessa"/>
+        <a:font script="Orya" typeface="Kalinga"/>
+        <a:font script="Mlym" typeface="Kartika"/>
+        <a:font script="Laoo" typeface="DokChampa"/>
+        <a:font script="Sinh" typeface="Iskoola Pota"/>
+        <a:font script="Mong" typeface="Mongolian Baiti"/>
+        <a:font script="Viet" typeface="Times New Roman"/>
+        <a:font script="Uigh" typeface="Microsoft Uighur"/>
+        <a:font script="Geor" typeface="Sylfaen"/>
+        <a:font script="Armn" typeface="Arial"/>
+        <a:font script="Bugi" typeface="Leelawadee UI"/>
+        <a:font script="Bopo" typeface="Microsoft JhengHei"/>
+        <a:font script="Java" typeface="Javanese Text"/>
+        <a:font script="Lisu" typeface="Segoe UI"/>
+        <a:font script="Mymr" typeface="Myanmar Text"/>
+        <a:font script="Nkoo" typeface="Ebrima"/>
+        <a:font script="Olck" typeface="Nirmala UI"/>
+        <a:font script="Osma" typeface="Ebrima"/>
+        <a:font script="Phag" typeface="Phagspa"/>
+        <a:font script="Syrn" typeface="Estrangelo Edessa"/>
+        <a:font script="Syrj" typeface="Estrangelo Edessa"/>
+        <a:font script="Syre" typeface="Estrangelo Edessa"/>
+        <a:font script="Sora" typeface="Nirmala UI"/>
+        <a:font script="Tale" typeface="Microsoft Tai Le"/>
+        <a:font script="Talu" typeface="Microsoft New Tai Lue"/>
+        <a:font script="Tfng" typeface="Ebrima"/>
+      </a:majorFont>
+      <a:minorFont>
+        <a:latin typeface="Calibri" panose="020F0502020204030204"/>
+        <a:ea typeface=""/>
+        <a:cs typeface=""/>
+        <a:font script="Jpan" typeface="游ゴシック"/>
+        <a:font script="Hang" typeface="맑은 고딕"/>
+        <a:font script="Hans" typeface="等线"/>
+        <a:font script="Hant" typeface="新細明體"/>
+        <a:font script="Arab" typeface="Arial"/>
+        <a:font script="Hebr" typeface="Arial"/>
+        <a:font script="Thai" typeface="Cordia New"/>
+        <a:font script="Ethi" typeface="Nyala"/>
+        <a:font script="Beng" typeface="Vrinda"/>
+        <a:font script="Gujr" typeface="Shruti"/>
+        <a:font script="Khmr" typeface="DaunPenh"/>
+        <a:font script="Knda" typeface="Tunga"/>
+        <a:font script="Guru" typeface="Raavi"/>
+        <a:font script="Cans" typeface="Euphemia"/>
+        <a:font script="Cher" typeface="Plantagenet Cherokee"/>
+        <a:font script="Yiii" typeface="Microsoft Yi Baiti"/>
+        <a:font script="Tibt" typeface="Microsoft Himalaya"/>
+        <a:font script="Thaa" typeface="MV Boli"/>
+        <a:font script="Deva" typeface="Mangal"/>
+        <a:font script="Telu" typeface="Gautami"/>
+        <a:font script="Taml" typeface="Latha"/>
+        <a:font script="Syrc" typeface="Estrangelo Edessa"/>
+        <a:font script="Orya" typeface="Kalinga"/>
+        <a:font script="Mlym" typeface="Kartika"/>
+        <a:font script="Laoo" typeface="DokChampa"/>
+        <a:font script="Sinh" typeface="Iskoola Pota"/>
+        <a:font script="Mong" typeface="Mongolian Baiti"/>
+        <a:font script="Viet" typeface="Arial"/>
+        <a:font script="Uigh" typeface="Microsoft Uighur"/>
+        <a:font script="Geor" typeface="Sylfaen"/>
+        <a:font script="Armn" typeface="Arial"/>
+        <a:font script="Bugi" typeface="Leelawadee UI"/>
+        <a:font script="Bopo" typeface="Microsoft JhengHei"/>
+        <a:font script="Java" typeface="Javanese Text"/>
+        <a:font script="Lisu" typeface="Segoe UI"/>
+        <a:font script="Mymr" typeface="Myanmar Text"/>
+        <a:font script="Nkoo" typeface="Ebrima"/>
+        <a:font script="Olck" typeface="Nirmala UI"/>
+        <a:font script="Osma" typeface="Ebrima"/>
+        <a:font script="Phag" typeface="Phagspa"/>
+        <a:font script="Syrn" typeface="Estrangelo Edessa"/>
+        <a:font script="Syrj" typeface="Estrangelo Edessa"/>
+        <a:font script="Syre" typeface="Estrangelo Edessa"/>
+        <a:font script="Sora" typeface="Nirmala UI"/>
+        <a:font script="Tale" typeface="Microsoft Tai Le"/>
+        <a:font script="Talu" typeface="Microsoft New Tai Lue"/>
+        <a:font script="Tfng" typeface="Ebrima"/>
+      </a:minorFont>
+    </a:fontScheme>
+    <a:fmtScheme name="Office">
+      <a:fillStyleLst>
+        <a:solidFill>
+          <a:schemeClr val="phClr"/>
+        </a:solidFill>
+        <a:gradFill rotWithShape="1">
+          <a:gsLst>
+            <a:gs pos="0">
+              <a:schemeClr val="phClr">
+                <a:lumMod val="110000"/>
+                <a:satMod val="105000"/>
+                <a:tint val="67000"/>
+              </a:schemeClr>
+            </a:gs>
+            <a:gs pos="50000">
+              <a:schemeClr val="phClr">
+                <a:lumMod val="105000"/>
+                <a:satMod val="103000"/>
+                <a:tint val="73000"/>
+              </a:schemeClr>
+            </a:gs>
+            <a:gs pos="100000">
+              <a:schemeClr val="phClr">
+                <a:lumMod val="105000"/>
+                <a:satMod val="109000"/>
+                <a:tint val="81000"/>
+              </a:schemeClr>
+            </a:gs>
+          </a:gsLst>
+          <a:lin ang="5400000" scaled="0"/>
+        </a:gradFill>
+        <a:gradFill rotWithShape="1">
+          <a:gsLst>
+            <a:gs pos="0">
+              <a:schemeClr val="phClr">
+                <a:satMod val="103000"/>
+                <a:lumMod val="102000"/>
+                <a:tint val="94000"/>
+              </a:schemeClr>
+            </a:gs>
+            <a:gs pos="50000">
+              <a:schemeClr val="phClr">
+                <a:satMod val="110000"/>
+                <a:lumMod val="100000"/>
+                <a:shade val="100000"/>
+              </a:schemeClr>
+            </a:gs>
+            <a:gs pos="100000">
+              <a:schemeClr val="phClr">
+                <a:lumMod val="99000"/>
+                <a:satMod val="120000"/>
+                <a:shade val="78000"/>
+              </a:schemeClr>
+            </a:gs>
+          </a:gsLst>
+          <a:lin ang="5400000" scaled="0"/>
+        </a:gradFill>
+      </a:fillStyleLst>
+      <a:lnStyleLst>
+        <a:ln w="6350" cap="flat" cmpd="sng" algn="ctr">
+          <a:solidFill>
+            <a:schemeClr val="phClr"/>
+          </a:solidFill>
+          <a:prstDash val="solid"/>
+          <a:miter lim="800000"/>
+        </a:ln>
+        <a:ln w="12700" cap="flat" cmpd="sng" algn="ctr">
+          <a:solidFill>
+            <a:schemeClr val="phClr"/>
+          </a:solidFill>
+          <a:prstDash val="solid"/>
+          <a:miter lim="800000"/>
+        </a:ln>
+        <a:ln w="19050" cap="flat" cmpd="sng" algn="ctr">
+          <a:solidFill>
+            <a:schemeClr val="phClr"/>
+          </a:solidFill>
+          <a:prstDash val="solid"/>
+          <a:miter lim="800000"/>
+        </a:ln>
+      </a:lnStyleLst>
+      <a:effectStyleLst>
+        <a:effectStyle>
+          <a:effectLst/>
+        </a:effectStyle>
+        <a:effectStyle>
+          <a:effectLst/>
+        </a:effectStyle>
+        <a:effectStyle>
+          <a:effectLst>
+            <a:outerShdw blurRad="57150" dist="19050" dir="5400000" algn="ctr" rotWithShape="0">
+              <a:srgbClr val="000000">
+                <a:alpha val="63000"/>
+              </a:srgbClr>
+            </a:outerShdw>
+          </a:effectLst>
+        </a:effectStyle>
+      </a:effectStyleLst>
+      <a:bgFillStyleLst>
+        <a:solidFill>
+          <a:schemeClr val="phClr"/>
+        </a:solidFill>
+        <a:solidFill>
+          <a:schemeClr val="phClr">
+            <a:tint val="95000"/>
+            <a:satMod val="170000"/>
+          </a:schemeClr>
+        </a:solidFill>
+        <a:gradFill rotWithShape="1">
+          <a:gsLst>
+            <a:gs pos="0">
+              <a:schemeClr val="phClr">
+                <a:tint val="93000"/>
+                <a:satMod val="150000"/>
+                <a:shade val="98000"/>
+                <a:lumMod val="102000"/>
+              </a:schemeClr>
+            </a:gs>
+            <a:gs pos="50000">
+              <a:schemeClr val="phClr">
+                <a:tint val="98000"/>
+                <a:satMod val="130000"/>
+                <a:shade val="90000"/>
+                <a:lumMod val="103000"/>
+              </a:schemeClr>
+            </a:gs>
+            <a:gs pos="100000">
+              <a:schemeClr val="phClr">
+                <a:shade val="63000"/>
+                <a:satMod val="120000"/>
+              </a:schemeClr>
+            </a:gs>
+          </a:gsLst>
+          <a:lin ang="5400000" scaled="0"/>
+        </a:gradFill>
+      </a:bgFillStyleLst>
+    </a:fmtScheme>
+  </a:themeElements>
+  <a:objectDefaults/>
+  <a:extraClrSchemeLst/>
+  <a:extLst>
+    <a:ext uri="{05A4C25C-085E-4340-85A3-A5531E510DB2}">
+      <thm15:themeFamily xmlns:thm15="http://schemas.microsoft.com/office/thememl/2012/main" name="Office Theme" id="{62F939B6-93AF-4DB8-9C6B-D6C7DFDC589F}" vid="{4A3C46E8-61CC-4603-A589-7422A47A8E4A}"/>
+    </a:ext>
+  </a:extLst>
+</a:theme>
 </file>